--- a/prezentacie/p01.pptx
+++ b/prezentacie/p01.pptx
@@ -269,7 +269,7 @@
           <a:p>
             <a:fld id="{10052495-8BC8-4CFB-94B1-B0429F101A0D}" type="datetimeFigureOut">
               <a:rPr lang="sk-SK" smtClean="0"/>
-              <a:t>5. 9. 2025</a:t>
+              <a:t>8. 9. 2025</a:t>
             </a:fld>
             <a:endParaRPr lang="sk-SK"/>
           </a:p>
@@ -467,7 +467,7 @@
           <a:p>
             <a:fld id="{10052495-8BC8-4CFB-94B1-B0429F101A0D}" type="datetimeFigureOut">
               <a:rPr lang="sk-SK" smtClean="0"/>
-              <a:t>5. 9. 2025</a:t>
+              <a:t>8. 9. 2025</a:t>
             </a:fld>
             <a:endParaRPr lang="sk-SK"/>
           </a:p>
@@ -675,7 +675,7 @@
           <a:p>
             <a:fld id="{10052495-8BC8-4CFB-94B1-B0429F101A0D}" type="datetimeFigureOut">
               <a:rPr lang="sk-SK" smtClean="0"/>
-              <a:t>5. 9. 2025</a:t>
+              <a:t>8. 9. 2025</a:t>
             </a:fld>
             <a:endParaRPr lang="sk-SK"/>
           </a:p>
@@ -873,7 +873,7 @@
           <a:p>
             <a:fld id="{10052495-8BC8-4CFB-94B1-B0429F101A0D}" type="datetimeFigureOut">
               <a:rPr lang="sk-SK" smtClean="0"/>
-              <a:t>5. 9. 2025</a:t>
+              <a:t>8. 9. 2025</a:t>
             </a:fld>
             <a:endParaRPr lang="sk-SK"/>
           </a:p>
@@ -1148,7 +1148,7 @@
           <a:p>
             <a:fld id="{10052495-8BC8-4CFB-94B1-B0429F101A0D}" type="datetimeFigureOut">
               <a:rPr lang="sk-SK" smtClean="0"/>
-              <a:t>5. 9. 2025</a:t>
+              <a:t>8. 9. 2025</a:t>
             </a:fld>
             <a:endParaRPr lang="sk-SK"/>
           </a:p>
@@ -1413,7 +1413,7 @@
           <a:p>
             <a:fld id="{10052495-8BC8-4CFB-94B1-B0429F101A0D}" type="datetimeFigureOut">
               <a:rPr lang="sk-SK" smtClean="0"/>
-              <a:t>5. 9. 2025</a:t>
+              <a:t>8. 9. 2025</a:t>
             </a:fld>
             <a:endParaRPr lang="sk-SK"/>
           </a:p>
@@ -1825,7 +1825,7 @@
           <a:p>
             <a:fld id="{10052495-8BC8-4CFB-94B1-B0429F101A0D}" type="datetimeFigureOut">
               <a:rPr lang="sk-SK" smtClean="0"/>
-              <a:t>5. 9. 2025</a:t>
+              <a:t>8. 9. 2025</a:t>
             </a:fld>
             <a:endParaRPr lang="sk-SK"/>
           </a:p>
@@ -1966,7 +1966,7 @@
           <a:p>
             <a:fld id="{10052495-8BC8-4CFB-94B1-B0429F101A0D}" type="datetimeFigureOut">
               <a:rPr lang="sk-SK" smtClean="0"/>
-              <a:t>5. 9. 2025</a:t>
+              <a:t>8. 9. 2025</a:t>
             </a:fld>
             <a:endParaRPr lang="sk-SK"/>
           </a:p>
@@ -2079,7 +2079,7 @@
           <a:p>
             <a:fld id="{10052495-8BC8-4CFB-94B1-B0429F101A0D}" type="datetimeFigureOut">
               <a:rPr lang="sk-SK" smtClean="0"/>
-              <a:t>5. 9. 2025</a:t>
+              <a:t>8. 9. 2025</a:t>
             </a:fld>
             <a:endParaRPr lang="sk-SK"/>
           </a:p>
@@ -2390,7 +2390,7 @@
           <a:p>
             <a:fld id="{10052495-8BC8-4CFB-94B1-B0429F101A0D}" type="datetimeFigureOut">
               <a:rPr lang="sk-SK" smtClean="0"/>
-              <a:t>5. 9. 2025</a:t>
+              <a:t>8. 9. 2025</a:t>
             </a:fld>
             <a:endParaRPr lang="sk-SK"/>
           </a:p>
@@ -2678,7 +2678,7 @@
           <a:p>
             <a:fld id="{10052495-8BC8-4CFB-94B1-B0429F101A0D}" type="datetimeFigureOut">
               <a:rPr lang="sk-SK" smtClean="0"/>
-              <a:t>5. 9. 2025</a:t>
+              <a:t>8. 9. 2025</a:t>
             </a:fld>
             <a:endParaRPr lang="sk-SK"/>
           </a:p>
@@ -2919,7 +2919,7 @@
           <a:p>
             <a:fld id="{10052495-8BC8-4CFB-94B1-B0429F101A0D}" type="datetimeFigureOut">
               <a:rPr lang="sk-SK" smtClean="0"/>
-              <a:t>5. 9. 2025</a:t>
+              <a:t>8. 9. 2025</a:t>
             </a:fld>
             <a:endParaRPr lang="sk-SK"/>
           </a:p>
@@ -4172,11 +4172,21 @@
               <a:t>do konzoly vypíšeme pomocou funkcie </a:t>
             </a:r>
             <a:r>
-              <a:rPr lang="sk-SK" sz="2800" dirty="0" err="1"/>
+              <a:rPr lang="sk-SK" sz="2800" dirty="0" err="1">
+                <a:highlight>
+                  <a:srgbClr val="FFFF00"/>
+                </a:highlight>
+                <a:latin typeface="Consolas" panose="020B0609020204030204" pitchFamily="49" charset="0"/>
+              </a:rPr>
               <a:t>print</a:t>
             </a:r>
             <a:r>
-              <a:rPr lang="sk-SK" sz="2800" dirty="0"/>
+              <a:rPr lang="sk-SK" sz="2800" dirty="0">
+                <a:highlight>
+                  <a:srgbClr val="FFFF00"/>
+                </a:highlight>
+                <a:latin typeface="Consolas" panose="020B0609020204030204" pitchFamily="49" charset="0"/>
+              </a:rPr>
               <a:t>()</a:t>
             </a:r>
           </a:p>
@@ -4191,14 +4201,29 @@
               <a:t>z klávesnice načítame pomocou funkcie </a:t>
             </a:r>
             <a:r>
-              <a:rPr lang="sk-SK" sz="2800" dirty="0" err="1"/>
+              <a:rPr lang="sk-SK" sz="2800" dirty="0" err="1">
+                <a:highlight>
+                  <a:srgbClr val="FFFF00"/>
+                </a:highlight>
+                <a:latin typeface="Consolas" panose="020B0609020204030204" pitchFamily="49" charset="0"/>
+              </a:rPr>
               <a:t>input</a:t>
             </a:r>
             <a:r>
-              <a:rPr lang="sk-SK" sz="2800" dirty="0"/>
+              <a:rPr lang="sk-SK" sz="2800" dirty="0">
+                <a:highlight>
+                  <a:srgbClr val="FFFF00"/>
+                </a:highlight>
+                <a:latin typeface="Consolas" panose="020B0609020204030204" pitchFamily="49" charset="0"/>
+              </a:rPr>
               <a:t>()</a:t>
             </a:r>
-            <a:endParaRPr lang="sk-SK" sz="2800" i="1" dirty="0"/>
+            <a:endParaRPr lang="sk-SK" sz="2800" i="1" dirty="0">
+              <a:highlight>
+                <a:srgbClr val="FFFF00"/>
+              </a:highlight>
+              <a:latin typeface="Consolas" panose="020B0609020204030204" pitchFamily="49" charset="0"/>
+            </a:endParaRPr>
           </a:p>
         </p:txBody>
       </p:sp>
@@ -6569,7 +6594,9 @@
               <a:t>V konzole spustím program </a:t>
             </a:r>
             <a:r>
-              <a:rPr lang="sk-SK" sz="2800" dirty="0" err="1"/>
+              <a:rPr lang="sk-SK" sz="2800" dirty="0" err="1">
+                <a:latin typeface="Consolas" panose="020B0609020204030204" pitchFamily="49" charset="0"/>
+              </a:rPr>
               <a:t>python</a:t>
             </a:r>
             <a:r>
@@ -6867,10 +6894,18 @@
             </a:pPr>
             <a:r>
               <a:rPr lang="sk-SK" sz="2800" dirty="0"/>
-              <a:t>Skript je súbor s príponou .</a:t>
-            </a:r>
-            <a:r>
-              <a:rPr lang="sk-SK" sz="2800" dirty="0" err="1"/>
+              <a:t>Skript je súbor s príponou </a:t>
+            </a:r>
+            <a:r>
+              <a:rPr lang="sk-SK" sz="2800" dirty="0">
+                <a:latin typeface="Consolas" panose="020B0609020204030204" pitchFamily="49" charset="0"/>
+              </a:rPr>
+              <a:t>.</a:t>
+            </a:r>
+            <a:r>
+              <a:rPr lang="sk-SK" sz="2800" dirty="0" err="1">
+                <a:latin typeface="Consolas" panose="020B0609020204030204" pitchFamily="49" charset="0"/>
+              </a:rPr>
               <a:t>py</a:t>
             </a:r>
             <a:r>
